--- a/Project Proposal .pptx
+++ b/Project Proposal .pptx
@@ -259,7 +259,7 @@
           <a:p>
             <a:fld id="{A421DCE0-F88B-4BBB-8EED-E5809B69D61E}" type="datetimeFigureOut">
               <a:rPr lang="en-US" smtClean="0"/>
-              <a:t>2/7/2021</a:t>
+              <a:t>2/10/2021</a:t>
             </a:fld>
             <a:endParaRPr lang="en-US"/>
           </a:p>
@@ -457,7 +457,7 @@
           <a:p>
             <a:fld id="{A421DCE0-F88B-4BBB-8EED-E5809B69D61E}" type="datetimeFigureOut">
               <a:rPr lang="en-US" smtClean="0"/>
-              <a:t>2/7/2021</a:t>
+              <a:t>2/10/2021</a:t>
             </a:fld>
             <a:endParaRPr lang="en-US"/>
           </a:p>
@@ -665,7 +665,7 @@
           <a:p>
             <a:fld id="{A421DCE0-F88B-4BBB-8EED-E5809B69D61E}" type="datetimeFigureOut">
               <a:rPr lang="en-US" smtClean="0"/>
-              <a:t>2/7/2021</a:t>
+              <a:t>2/10/2021</a:t>
             </a:fld>
             <a:endParaRPr lang="en-US"/>
           </a:p>
@@ -863,7 +863,7 @@
           <a:p>
             <a:fld id="{A421DCE0-F88B-4BBB-8EED-E5809B69D61E}" type="datetimeFigureOut">
               <a:rPr lang="en-US" smtClean="0"/>
-              <a:t>2/7/2021</a:t>
+              <a:t>2/10/2021</a:t>
             </a:fld>
             <a:endParaRPr lang="en-US"/>
           </a:p>
@@ -1138,7 +1138,7 @@
           <a:p>
             <a:fld id="{A421DCE0-F88B-4BBB-8EED-E5809B69D61E}" type="datetimeFigureOut">
               <a:rPr lang="en-US" smtClean="0"/>
-              <a:t>2/7/2021</a:t>
+              <a:t>2/10/2021</a:t>
             </a:fld>
             <a:endParaRPr lang="en-US"/>
           </a:p>
@@ -1403,7 +1403,7 @@
           <a:p>
             <a:fld id="{A421DCE0-F88B-4BBB-8EED-E5809B69D61E}" type="datetimeFigureOut">
               <a:rPr lang="en-US" smtClean="0"/>
-              <a:t>2/7/2021</a:t>
+              <a:t>2/10/2021</a:t>
             </a:fld>
             <a:endParaRPr lang="en-US"/>
           </a:p>
@@ -1815,7 +1815,7 @@
           <a:p>
             <a:fld id="{A421DCE0-F88B-4BBB-8EED-E5809B69D61E}" type="datetimeFigureOut">
               <a:rPr lang="en-US" smtClean="0"/>
-              <a:t>2/7/2021</a:t>
+              <a:t>2/10/2021</a:t>
             </a:fld>
             <a:endParaRPr lang="en-US"/>
           </a:p>
@@ -1956,7 +1956,7 @@
           <a:p>
             <a:fld id="{A421DCE0-F88B-4BBB-8EED-E5809B69D61E}" type="datetimeFigureOut">
               <a:rPr lang="en-US" smtClean="0"/>
-              <a:t>2/7/2021</a:t>
+              <a:t>2/10/2021</a:t>
             </a:fld>
             <a:endParaRPr lang="en-US"/>
           </a:p>
@@ -2069,7 +2069,7 @@
           <a:p>
             <a:fld id="{A421DCE0-F88B-4BBB-8EED-E5809B69D61E}" type="datetimeFigureOut">
               <a:rPr lang="en-US" smtClean="0"/>
-              <a:t>2/7/2021</a:t>
+              <a:t>2/10/2021</a:t>
             </a:fld>
             <a:endParaRPr lang="en-US"/>
           </a:p>
@@ -2380,7 +2380,7 @@
           <a:p>
             <a:fld id="{A421DCE0-F88B-4BBB-8EED-E5809B69D61E}" type="datetimeFigureOut">
               <a:rPr lang="en-US" smtClean="0"/>
-              <a:t>2/7/2021</a:t>
+              <a:t>2/10/2021</a:t>
             </a:fld>
             <a:endParaRPr lang="en-US"/>
           </a:p>
@@ -2668,7 +2668,7 @@
           <a:p>
             <a:fld id="{A421DCE0-F88B-4BBB-8EED-E5809B69D61E}" type="datetimeFigureOut">
               <a:rPr lang="en-US" smtClean="0"/>
-              <a:t>2/7/2021</a:t>
+              <a:t>2/10/2021</a:t>
             </a:fld>
             <a:endParaRPr lang="en-US"/>
           </a:p>
@@ -2909,7 +2909,7 @@
           <a:p>
             <a:fld id="{A421DCE0-F88B-4BBB-8EED-E5809B69D61E}" type="datetimeFigureOut">
               <a:rPr lang="en-US" smtClean="0"/>
-              <a:t>2/7/2021</a:t>
+              <a:t>2/10/2021</a:t>
             </a:fld>
             <a:endParaRPr lang="en-US"/>
           </a:p>
@@ -3625,15 +3625,7 @@
           <a:p>
             <a:r>
               <a:rPr lang="en-US" sz="1400" dirty="0"/>
-              <a:t>Importing Datasets into </a:t>
-            </a:r>
-            <a:r>
-              <a:rPr lang="en-US" sz="1400" dirty="0" err="1"/>
-              <a:t>Jupyter</a:t>
-            </a:r>
-            <a:r>
-              <a:rPr lang="en-US" sz="1400" dirty="0"/>
-              <a:t> Notebook – Jimmy,  Hector </a:t>
+              <a:t>Importing Datasets – Jimmy,  Hector, Lauren </a:t>
             </a:r>
           </a:p>
           <a:p>
@@ -3645,19 +3637,24 @@
           <a:p>
             <a:r>
               <a:rPr lang="en-US" sz="1400" dirty="0"/>
-              <a:t>Statistical Analysis and Graphs – Lauren, Mariam, Zehra, Hector</a:t>
+              <a:t>Graphs – Lauren, Mariam, Zehra, Hector</a:t>
             </a:r>
           </a:p>
           <a:p>
             <a:r>
               <a:rPr lang="en-US" sz="1400" dirty="0"/>
-              <a:t>Data Analysis  – All</a:t>
-            </a:r>
+              <a:t>Data Analysis  </a:t>
+            </a:r>
+            <a:r>
+              <a:rPr lang="en-US" sz="1400"/>
+              <a:t>– Lauren, Mariam</a:t>
+            </a:r>
+            <a:endParaRPr lang="en-US" sz="1400" dirty="0"/>
           </a:p>
           <a:p>
             <a:r>
               <a:rPr lang="en-US" sz="1400" dirty="0"/>
-              <a:t>Presentation Preparation – Mariam, Lauren</a:t>
+              <a:t>Presentation Preparation – Mariam</a:t>
             </a:r>
           </a:p>
         </p:txBody>
